--- a/La feuille de débit.pptx
+++ b/La feuille de débit.pptx
@@ -5,13 +5,14 @@
     <p:sldMasterId id="2147483672" r:id="rId1"/>
   </p:sldMasterIdLst>
   <p:notesMasterIdLst>
-    <p:notesMasterId r:id="rId3"/>
+    <p:notesMasterId r:id="rId4"/>
   </p:notesMasterIdLst>
   <p:handoutMasterIdLst>
-    <p:handoutMasterId r:id="rId4"/>
+    <p:handoutMasterId r:id="rId5"/>
   </p:handoutMasterIdLst>
   <p:sldIdLst>
-    <p:sldId id="258" r:id="rId2"/>
+    <p:sldId id="263" r:id="rId2"/>
+    <p:sldId id="259" r:id="rId3"/>
   </p:sldIdLst>
   <p:sldSz cx="7199313" cy="10080625"/>
   <p:notesSz cx="6797675" cy="9926638"/>
@@ -281,7 +282,7 @@
               <a:pPr>
                 <a:defRPr/>
               </a:pPr>
-              <a:t>16/08/2024</a:t>
+              <a:t>08/09/2024</a:t>
             </a:fld>
             <a:endParaRPr lang="fr-FR"/>
           </a:p>
@@ -519,7 +520,7 @@
               <a:pPr>
                 <a:defRPr/>
               </a:pPr>
-              <a:t>16/08/2024</a:t>
+              <a:t>08/09/2024</a:t>
             </a:fld>
             <a:endParaRPr lang="fr-FR"/>
           </a:p>
@@ -1010,7 +1011,7 @@
               <a:pPr>
                 <a:defRPr/>
               </a:pPr>
-              <a:t>16/08/2024</a:t>
+              <a:t>08/09/2024</a:t>
             </a:fld>
             <a:endParaRPr lang="fr-FR"/>
           </a:p>
@@ -1225,7 +1226,7 @@
               <a:pPr>
                 <a:defRPr/>
               </a:pPr>
-              <a:t>16/08/2024</a:t>
+              <a:t>08/09/2024</a:t>
             </a:fld>
             <a:endParaRPr lang="fr-FR"/>
           </a:p>
@@ -1450,7 +1451,7 @@
               <a:pPr>
                 <a:defRPr/>
               </a:pPr>
-              <a:t>16/08/2024</a:t>
+              <a:t>08/09/2024</a:t>
             </a:fld>
             <a:endParaRPr lang="fr-FR"/>
           </a:p>
@@ -1665,7 +1666,7 @@
               <a:pPr>
                 <a:defRPr/>
               </a:pPr>
-              <a:t>16/08/2024</a:t>
+              <a:t>08/09/2024</a:t>
             </a:fld>
             <a:endParaRPr lang="fr-FR"/>
           </a:p>
@@ -1954,7 +1955,7 @@
               <a:pPr>
                 <a:defRPr/>
               </a:pPr>
-              <a:t>16/08/2024</a:t>
+              <a:t>08/09/2024</a:t>
             </a:fld>
             <a:endParaRPr lang="fr-FR"/>
           </a:p>
@@ -2231,7 +2232,7 @@
               <a:pPr>
                 <a:defRPr/>
               </a:pPr>
-              <a:t>16/08/2024</a:t>
+              <a:t>08/09/2024</a:t>
             </a:fld>
             <a:endParaRPr lang="fr-FR"/>
           </a:p>
@@ -2643,7 +2644,7 @@
               <a:pPr>
                 <a:defRPr/>
               </a:pPr>
-              <a:t>16/08/2024</a:t>
+              <a:t>08/09/2024</a:t>
             </a:fld>
             <a:endParaRPr lang="fr-FR"/>
           </a:p>
@@ -2806,7 +2807,7 @@
               <a:pPr>
                 <a:defRPr/>
               </a:pPr>
-              <a:t>16/08/2024</a:t>
+              <a:t>08/09/2024</a:t>
             </a:fld>
             <a:endParaRPr lang="fr-FR"/>
           </a:p>
@@ -2946,7 +2947,7 @@
               <a:pPr>
                 <a:defRPr/>
               </a:pPr>
-              <a:t>16/08/2024</a:t>
+              <a:t>08/09/2024</a:t>
             </a:fld>
             <a:endParaRPr lang="fr-FR"/>
           </a:p>
@@ -3268,7 +3269,7 @@
               <a:pPr>
                 <a:defRPr/>
               </a:pPr>
-              <a:t>16/08/2024</a:t>
+              <a:t>08/09/2024</a:t>
             </a:fld>
             <a:endParaRPr lang="fr-FR"/>
           </a:p>
@@ -3571,7 +3572,7 @@
               <a:pPr>
                 <a:defRPr/>
               </a:pPr>
-              <a:t>16/08/2024</a:t>
+              <a:t>08/09/2024</a:t>
             </a:fld>
             <a:endParaRPr lang="fr-FR"/>
           </a:p>
@@ -3847,7 +3848,7 @@
               <a:pPr>
                 <a:defRPr/>
               </a:pPr>
-              <a:t>16/08/2024</a:t>
+              <a:t>08/09/2024</a:t>
             </a:fld>
             <a:endParaRPr lang="fr-FR"/>
           </a:p>
@@ -4509,7 +4510,7 @@
         <p:spPr>
           <a:xfrm>
             <a:off x="211137" y="1021537"/>
-            <a:ext cx="6796087" cy="1815882"/>
+            <a:ext cx="6796087" cy="3108543"/>
           </a:xfrm>
           <a:prstGeom prst="rect">
             <a:avLst/>
@@ -4523,23 +4524,25 @@
           <a:p>
             <a:r>
               <a:rPr lang="fr-FR" sz="1400" dirty="0"/>
-              <a:t>Il existe deux catégories d’arbres </a:t>
-            </a:r>
-            <a:r>
-              <a:rPr lang="fr-FR" sz="1400" b="1" dirty="0"/>
-              <a:t>: les feuillus</a:t>
-            </a:r>
+              <a:t>La feuille de débit est un document technique qui va permettre de réaliser le débit des</a:t>
+            </a:r>
+          </a:p>
+          <a:p>
             <a:r>
               <a:rPr lang="fr-FR" sz="1400" dirty="0"/>
-              <a:t> et </a:t>
-            </a:r>
-            <a:r>
-              <a:rPr lang="fr-FR" sz="1400" b="1" dirty="0"/>
-              <a:t>les résineux</a:t>
-            </a:r>
+              <a:t>pièces nécessaires à la réalisation d’un ouvrage.</a:t>
+            </a:r>
+          </a:p>
+          <a:p>
             <a:r>
               <a:rPr lang="fr-FR" sz="1400" dirty="0"/>
-              <a:t>.</a:t>
+              <a:t>Elle sert également  à déterminer les volumes et les surfaces des bois utilisés en vue d’une commande et du calcul du prix de revient. </a:t>
+            </a:r>
+          </a:p>
+          <a:p>
+            <a:r>
+              <a:rPr lang="fr-FR" sz="1400" dirty="0"/>
+              <a:t>Ce document doit comporter toutes les informations utiles au débiteur, tel que :</a:t>
             </a:r>
           </a:p>
           <a:p>
@@ -4547,30 +4550,1701 @@
           </a:p>
           <a:p>
             <a:r>
-              <a:rPr lang="fr-FR" sz="1400" b="1" dirty="0"/>
-              <a:t>Les feuillus </a:t>
-            </a:r>
-            <a:r>
               <a:rPr lang="fr-FR" sz="1400" dirty="0"/>
-              <a:t>possèdent de larges feuilles qu’ils perdent généralement en automne : ce sont des arbres à feuilles caduques.</a:t>
+              <a:t>1. Le numéro de repère des pièces.</a:t>
+            </a:r>
+          </a:p>
+          <a:p>
+            <a:r>
+              <a:rPr lang="fr-FR" sz="1400" dirty="0"/>
+              <a:t>2. La désignation des pièces. (montant; traverse, dos...)</a:t>
+            </a:r>
+          </a:p>
+          <a:p>
+            <a:r>
+              <a:rPr lang="fr-FR" sz="1400" dirty="0"/>
+              <a:t>3. Le nombre de pièces à débiter.</a:t>
+            </a:r>
+          </a:p>
+          <a:p>
+            <a:r>
+              <a:rPr lang="fr-FR" sz="1400" dirty="0"/>
+              <a:t>4. Les dimensions ( longueur, largeur, épaisseur ).</a:t>
+            </a:r>
+          </a:p>
+          <a:p>
+            <a:r>
+              <a:rPr lang="fr-FR" sz="1400" dirty="0"/>
+              <a:t>5. La matière ( ou essence ) employée.</a:t>
+            </a:r>
+          </a:p>
+          <a:p>
+            <a:r>
+              <a:rPr lang="fr-FR" sz="1400" dirty="0"/>
+              <a:t>6. Une colonne observations pour les précisions utiles.</a:t>
+            </a:r>
+          </a:p>
+          <a:p>
+            <a:r>
+              <a:rPr lang="fr-FR" sz="1400" dirty="0"/>
+              <a:t>7. Le cubage de chaque pièce et le cubage total de l’ouvrage.   </a:t>
             </a:r>
           </a:p>
           <a:p>
             <a:endParaRPr lang="fr-FR" sz="1400" dirty="0"/>
           </a:p>
-          <a:p>
-            <a:r>
-              <a:rPr lang="fr-FR" sz="1400" b="1" dirty="0"/>
-              <a:t>Les résineux</a:t>
-            </a:r>
+        </p:txBody>
+      </p:sp>
+      <p:pic>
+        <p:nvPicPr>
+          <p:cNvPr id="28" name="Image 27">
+            <a:extLst>
+              <a:ext uri="{FF2B5EF4-FFF2-40B4-BE49-F238E27FC236}">
+                <a16:creationId xmlns:a16="http://schemas.microsoft.com/office/drawing/2014/main" id="{A870F25A-EEE8-40F0-8249-CDE59B08D3ED}"/>
+              </a:ext>
+            </a:extLst>
+          </p:cNvPr>
+          <p:cNvPicPr>
+            <a:picLocks noChangeAspect="1"/>
+          </p:cNvPicPr>
+          <p:nvPr/>
+        </p:nvPicPr>
+        <p:blipFill rotWithShape="1">
+          <a:blip r:embed="rId2">
+            <a:grayscl/>
+            <a:extLst>
+              <a:ext uri="{BEBA8EAE-BF5A-486C-A8C5-ECC9F3942E4B}">
+                <a14:imgProps xmlns:a14="http://schemas.microsoft.com/office/drawing/2010/main">
+                  <a14:imgLayer r:embed="rId3">
+                    <a14:imgEffect>
+                      <a14:sharpenSoften amount="25000"/>
+                    </a14:imgEffect>
+                  </a14:imgLayer>
+                </a14:imgProps>
+              </a:ext>
+            </a:extLst>
+          </a:blip>
+          <a:srcRect b="60567"/>
+          <a:stretch/>
+        </p:blipFill>
+        <p:spPr>
+          <a:xfrm>
+            <a:off x="211137" y="3939234"/>
+            <a:ext cx="6796087" cy="1241206"/>
+          </a:xfrm>
+          <a:prstGeom prst="rect">
+            <a:avLst/>
+          </a:prstGeom>
+        </p:spPr>
+      </p:pic>
+      <p:pic>
+        <p:nvPicPr>
+          <p:cNvPr id="33" name="Image 32">
+            <a:extLst>
+              <a:ext uri="{FF2B5EF4-FFF2-40B4-BE49-F238E27FC236}">
+                <a16:creationId xmlns:a16="http://schemas.microsoft.com/office/drawing/2014/main" id="{D695A9E1-72AB-4404-992E-2ED093A4F75D}"/>
+              </a:ext>
+            </a:extLst>
+          </p:cNvPr>
+          <p:cNvPicPr>
+            <a:picLocks noChangeAspect="1"/>
+          </p:cNvPicPr>
+          <p:nvPr/>
+        </p:nvPicPr>
+        <p:blipFill rotWithShape="1">
+          <a:blip r:embed="rId4"/>
+          <a:srcRect r="11540"/>
+          <a:stretch/>
+        </p:blipFill>
+        <p:spPr>
+          <a:xfrm>
+            <a:off x="819944" y="7310150"/>
+            <a:ext cx="5260816" cy="2331686"/>
+          </a:xfrm>
+          <a:prstGeom prst="rect">
+            <a:avLst/>
+          </a:prstGeom>
+          <a:solidFill>
+            <a:srgbClr val="FFFFFF">
+              <a:shade val="85000"/>
+            </a:srgbClr>
+          </a:solidFill>
+          <a:ln w="88900" cap="sq">
+            <a:noFill/>
+            <a:miter lim="800000"/>
+          </a:ln>
+          <a:effectLst/>
+        </p:spPr>
+      </p:pic>
+      <p:sp>
+        <p:nvSpPr>
+          <p:cNvPr id="37" name="Rectangle 36">
+            <a:extLst>
+              <a:ext uri="{FF2B5EF4-FFF2-40B4-BE49-F238E27FC236}">
+                <a16:creationId xmlns:a16="http://schemas.microsoft.com/office/drawing/2014/main" id="{EA487C63-D59D-4506-B956-705938550E56}"/>
+              </a:ext>
+            </a:extLst>
+          </p:cNvPr>
+          <p:cNvSpPr/>
+          <p:nvPr/>
+        </p:nvSpPr>
+        <p:spPr>
+          <a:xfrm>
+            <a:off x="211137" y="5278825"/>
+            <a:ext cx="6796087" cy="2031325"/>
+          </a:xfrm>
+          <a:prstGeom prst="rect">
+            <a:avLst/>
+          </a:prstGeom>
+        </p:spPr>
+        <p:txBody>
+          <a:bodyPr wrap="square">
+            <a:spAutoFit/>
+          </a:bodyPr>
+          <a:lstStyle/>
+          <a:p>
             <a:r>
               <a:rPr lang="fr-FR" sz="1400" dirty="0"/>
-              <a:t>, appelés aussi portent des cônes (comme les pommes de pin). Ils ont des feuilles sous forme d’aiguilles qu’ils conservent toute l’année, on dit que ce sont des arbres à feuillage persistant</a:t>
+              <a:t>Pour calculer le volume d'une pièce de bois, il suffit de multiplier la longueur, la largeur et l'épaisseur. Les dimensions doivent être converties en mètres pour obtenir le volume en mètres cubes (m³).</a:t>
+            </a:r>
+          </a:p>
+          <a:p>
+            <a:endParaRPr lang="fr-FR" sz="1400" dirty="0"/>
+          </a:p>
+          <a:p>
+            <a:r>
+              <a:rPr lang="fr-FR" sz="1400" dirty="0"/>
+              <a:t>Longueur : 255 mm = 0,255 m</a:t>
+            </a:r>
+          </a:p>
+          <a:p>
+            <a:r>
+              <a:rPr lang="fr-FR" sz="1400" dirty="0"/>
+              <a:t>Largeur : 40 mm = 0,040 m</a:t>
+            </a:r>
+          </a:p>
+          <a:p>
+            <a:r>
+              <a:rPr lang="fr-FR" sz="1400" dirty="0"/>
+              <a:t>Épaisseur : 20 mm = 0,020 m</a:t>
+            </a:r>
+          </a:p>
+          <a:p>
+            <a:endParaRPr lang="fr-FR" sz="1400" dirty="0"/>
+          </a:p>
+          <a:p>
+            <a:r>
+              <a:rPr lang="fr-FR" sz="1400" dirty="0"/>
+              <a:t>Le volume se calcule ainsi :</a:t>
             </a:r>
           </a:p>
         </p:txBody>
       </p:sp>
     </p:spTree>
+    <p:extLst>
+      <p:ext uri="{BB962C8B-B14F-4D97-AF65-F5344CB8AC3E}">
+        <p14:creationId xmlns:p14="http://schemas.microsoft.com/office/powerpoint/2010/main" val="3375917211"/>
+      </p:ext>
+    </p:extLst>
+  </p:cSld>
+  <p:clrMapOvr>
+    <a:masterClrMapping/>
+  </p:clrMapOvr>
+</p:sld>
+</file>
+
+<file path=ppt/slides/slide2.xml><?xml version="1.0" encoding="utf-8"?>
+<p:sld xmlns:a="http://schemas.openxmlformats.org/drawingml/2006/main" xmlns:r="http://schemas.openxmlformats.org/officeDocument/2006/relationships" xmlns:p="http://schemas.openxmlformats.org/presentationml/2006/main">
+  <p:cSld>
+    <p:spTree>
+      <p:nvGrpSpPr>
+        <p:cNvPr id="1" name=""/>
+        <p:cNvGrpSpPr/>
+        <p:nvPr/>
+      </p:nvGrpSpPr>
+      <p:grpSpPr>
+        <a:xfrm>
+          <a:off x="0" y="0"/>
+          <a:ext cx="0" cy="0"/>
+          <a:chOff x="0" y="0"/>
+          <a:chExt cx="0" cy="0"/>
+        </a:xfrm>
+      </p:grpSpPr>
+      <p:sp>
+        <p:nvSpPr>
+          <p:cNvPr id="8" name="TextBox 7">
+            <a:extLst>
+              <a:ext uri="{FF2B5EF4-FFF2-40B4-BE49-F238E27FC236}">
+                <a16:creationId xmlns:a16="http://schemas.microsoft.com/office/drawing/2014/main" id="{569558D5-6A9C-4B85-9550-9CC374A35188}"/>
+              </a:ext>
+            </a:extLst>
+          </p:cNvPr>
+          <p:cNvSpPr txBox="1"/>
+          <p:nvPr/>
+        </p:nvSpPr>
+        <p:spPr>
+          <a:xfrm>
+            <a:off x="211138" y="323850"/>
+            <a:ext cx="6796087" cy="444500"/>
+          </a:xfrm>
+          <a:prstGeom prst="rect">
+            <a:avLst/>
+          </a:prstGeom>
+          <a:effectLst/>
+        </p:spPr>
+        <p:style>
+          <a:lnRef idx="2">
+            <a:schemeClr val="dk1"/>
+          </a:lnRef>
+          <a:fillRef idx="1">
+            <a:schemeClr val="lt1"/>
+          </a:fillRef>
+          <a:effectRef idx="0">
+            <a:schemeClr val="dk1"/>
+          </a:effectRef>
+          <a:fontRef idx="minor">
+            <a:schemeClr val="dk1"/>
+          </a:fontRef>
+        </p:style>
+        <p:txBody>
+          <a:bodyPr>
+            <a:spAutoFit/>
+          </a:bodyPr>
+          <a:lstStyle/>
+          <a:p>
+            <a:pPr algn="ctr" eaLnBrk="1" fontAlgn="auto" hangingPunct="1">
+              <a:spcBef>
+                <a:spcPts val="0"/>
+              </a:spcBef>
+              <a:spcAft>
+                <a:spcPts val="0"/>
+              </a:spcAft>
+              <a:defRPr/>
+            </a:pPr>
+            <a:r>
+              <a:rPr lang="fr-FR" sz="2286" dirty="0"/>
+              <a:t>La feuille de débit </a:t>
+            </a:r>
+          </a:p>
+        </p:txBody>
+      </p:sp>
+      <p:sp>
+        <p:nvSpPr>
+          <p:cNvPr id="9" name="Rectangle 8">
+            <a:extLst>
+              <a:ext uri="{FF2B5EF4-FFF2-40B4-BE49-F238E27FC236}">
+                <a16:creationId xmlns:a16="http://schemas.microsoft.com/office/drawing/2014/main" id="{E5D4E6C4-51A1-4AAE-BA6C-1AC70E139F50}"/>
+              </a:ext>
+            </a:extLst>
+          </p:cNvPr>
+          <p:cNvSpPr/>
+          <p:nvPr/>
+        </p:nvSpPr>
+        <p:spPr>
+          <a:xfrm>
+            <a:off x="220663" y="2830017"/>
+            <a:ext cx="6796087" cy="523220"/>
+          </a:xfrm>
+          <a:prstGeom prst="rect">
+            <a:avLst/>
+          </a:prstGeom>
+        </p:spPr>
+        <p:txBody>
+          <a:bodyPr wrap="square">
+            <a:spAutoFit/>
+          </a:bodyPr>
+          <a:lstStyle/>
+          <a:p>
+            <a:br>
+              <a:rPr lang="fr-FR" sz="1400" dirty="0"/>
+            </a:br>
+            <a:r>
+              <a:rPr lang="fr-FR" sz="1400" dirty="0"/>
+              <a:t>          </a:t>
+            </a:r>
+          </a:p>
+        </p:txBody>
+      </p:sp>
+      <p:pic>
+        <p:nvPicPr>
+          <p:cNvPr id="2" name="Image 1">
+            <a:extLst>
+              <a:ext uri="{FF2B5EF4-FFF2-40B4-BE49-F238E27FC236}">
+                <a16:creationId xmlns:a16="http://schemas.microsoft.com/office/drawing/2014/main" id="{F5907D36-7F98-44F2-9F70-27534A160080}"/>
+              </a:ext>
+            </a:extLst>
+          </p:cNvPr>
+          <p:cNvPicPr>
+            <a:picLocks noChangeAspect="1"/>
+          </p:cNvPicPr>
+          <p:nvPr/>
+        </p:nvPicPr>
+        <p:blipFill rotWithShape="1">
+          <a:blip r:embed="rId2">
+            <a:grayscl/>
+            <a:extLst>
+              <a:ext uri="{BEBA8EAE-BF5A-486C-A8C5-ECC9F3942E4B}">
+                <a14:imgProps xmlns:a14="http://schemas.microsoft.com/office/drawing/2010/main">
+                  <a14:imgLayer r:embed="rId3">
+                    <a14:imgEffect>
+                      <a14:sharpenSoften amount="25000"/>
+                    </a14:imgEffect>
+                  </a14:imgLayer>
+                </a14:imgProps>
+              </a:ext>
+            </a:extLst>
+          </a:blip>
+          <a:srcRect b="84412"/>
+          <a:stretch/>
+        </p:blipFill>
+        <p:spPr>
+          <a:xfrm>
+            <a:off x="211137" y="1078057"/>
+            <a:ext cx="6796087" cy="595020"/>
+          </a:xfrm>
+          <a:prstGeom prst="rect">
+            <a:avLst/>
+          </a:prstGeom>
+        </p:spPr>
+      </p:pic>
+      <p:grpSp>
+        <p:nvGrpSpPr>
+          <p:cNvPr id="22" name="Group 23">
+            <a:extLst>
+              <a:ext uri="{FF2B5EF4-FFF2-40B4-BE49-F238E27FC236}">
+                <a16:creationId xmlns:a16="http://schemas.microsoft.com/office/drawing/2014/main" id="{8AE17236-50BF-4F42-97BC-8AC38FA5E6F3}"/>
+              </a:ext>
+            </a:extLst>
+          </p:cNvPr>
+          <p:cNvGrpSpPr>
+            <a:grpSpLocks/>
+          </p:cNvGrpSpPr>
+          <p:nvPr/>
+        </p:nvGrpSpPr>
+        <p:grpSpPr bwMode="auto">
+          <a:xfrm>
+            <a:off x="4510790" y="7360845"/>
+            <a:ext cx="1328848" cy="1744537"/>
+            <a:chOff x="7920" y="8999"/>
+            <a:chExt cx="1260" cy="1440"/>
+          </a:xfrm>
+        </p:grpSpPr>
+        <p:grpSp>
+          <p:nvGrpSpPr>
+            <p:cNvPr id="23" name="Group 30">
+              <a:extLst>
+                <a:ext uri="{FF2B5EF4-FFF2-40B4-BE49-F238E27FC236}">
+                  <a16:creationId xmlns:a16="http://schemas.microsoft.com/office/drawing/2014/main" id="{A2801F16-33CB-41A6-B210-495C86DA2CCF}"/>
+                </a:ext>
+              </a:extLst>
+            </p:cNvPr>
+            <p:cNvGrpSpPr>
+              <a:grpSpLocks/>
+            </p:cNvGrpSpPr>
+            <p:nvPr/>
+          </p:nvGrpSpPr>
+          <p:grpSpPr bwMode="auto">
+            <a:xfrm>
+              <a:off x="7920" y="8999"/>
+              <a:ext cx="540" cy="1440"/>
+              <a:chOff x="7920" y="8999"/>
+              <a:chExt cx="540" cy="1440"/>
+            </a:xfrm>
+          </p:grpSpPr>
+          <p:sp>
+            <p:nvSpPr>
+              <p:cNvPr id="30" name="Rectangle 36">
+                <a:extLst>
+                  <a:ext uri="{FF2B5EF4-FFF2-40B4-BE49-F238E27FC236}">
+                    <a16:creationId xmlns:a16="http://schemas.microsoft.com/office/drawing/2014/main" id="{125EA354-54A0-4D6A-88E3-E9E3447C34EF}"/>
+                  </a:ext>
+                </a:extLst>
+              </p:cNvPr>
+              <p:cNvSpPr>
+                <a:spLocks noChangeArrowheads="1"/>
+              </p:cNvSpPr>
+              <p:nvPr/>
+            </p:nvSpPr>
+            <p:spPr bwMode="auto">
+              <a:xfrm>
+                <a:off x="7920" y="8999"/>
+                <a:ext cx="540" cy="360"/>
+              </a:xfrm>
+              <a:prstGeom prst="rect">
+                <a:avLst/>
+              </a:prstGeom>
+              <a:solidFill>
+                <a:srgbClr val="FFFFFF"/>
+              </a:solidFill>
+              <a:ln w="9525">
+                <a:solidFill>
+                  <a:srgbClr val="000000"/>
+                </a:solidFill>
+                <a:miter lim="800000"/>
+                <a:headEnd/>
+                <a:tailEnd/>
+              </a:ln>
+            </p:spPr>
+            <p:txBody>
+              <a:bodyPr vert="horz" wrap="square" lIns="91440" tIns="45720" rIns="91440" bIns="45720" numCol="1" anchor="t" anchorCtr="0" compatLnSpc="1">
+                <a:prstTxWarp prst="textNoShape">
+                  <a:avLst/>
+                </a:prstTxWarp>
+              </a:bodyPr>
+              <a:lstStyle/>
+              <a:p>
+                <a:endParaRPr lang="fr-FR"/>
+              </a:p>
+            </p:txBody>
+          </p:sp>
+          <p:sp>
+            <p:nvSpPr>
+              <p:cNvPr id="31" name="Rectangle 35">
+                <a:extLst>
+                  <a:ext uri="{FF2B5EF4-FFF2-40B4-BE49-F238E27FC236}">
+                    <a16:creationId xmlns:a16="http://schemas.microsoft.com/office/drawing/2014/main" id="{5853A403-B119-48DD-95D2-B9DA022D7DB1}"/>
+                  </a:ext>
+                </a:extLst>
+              </p:cNvPr>
+              <p:cNvSpPr>
+                <a:spLocks noChangeArrowheads="1"/>
+              </p:cNvSpPr>
+              <p:nvPr/>
+            </p:nvSpPr>
+            <p:spPr bwMode="auto">
+              <a:xfrm>
+                <a:off x="7920" y="9719"/>
+                <a:ext cx="540" cy="360"/>
+              </a:xfrm>
+              <a:prstGeom prst="rect">
+                <a:avLst/>
+              </a:prstGeom>
+              <a:solidFill>
+                <a:srgbClr val="FFFFFF"/>
+              </a:solidFill>
+              <a:ln w="9525">
+                <a:solidFill>
+                  <a:srgbClr val="000000"/>
+                </a:solidFill>
+                <a:miter lim="800000"/>
+                <a:headEnd/>
+                <a:tailEnd/>
+              </a:ln>
+            </p:spPr>
+            <p:txBody>
+              <a:bodyPr vert="horz" wrap="square" lIns="91440" tIns="45720" rIns="91440" bIns="45720" numCol="1" anchor="t" anchorCtr="0" compatLnSpc="1">
+                <a:prstTxWarp prst="textNoShape">
+                  <a:avLst/>
+                </a:prstTxWarp>
+              </a:bodyPr>
+              <a:lstStyle/>
+              <a:p>
+                <a:endParaRPr lang="fr-FR"/>
+              </a:p>
+            </p:txBody>
+          </p:sp>
+          <p:sp>
+            <p:nvSpPr>
+              <p:cNvPr id="32" name="Rectangle 34">
+                <a:extLst>
+                  <a:ext uri="{FF2B5EF4-FFF2-40B4-BE49-F238E27FC236}">
+                    <a16:creationId xmlns:a16="http://schemas.microsoft.com/office/drawing/2014/main" id="{6E96EA49-5B48-46E7-A9DD-E421C7189238}"/>
+                  </a:ext>
+                </a:extLst>
+              </p:cNvPr>
+              <p:cNvSpPr>
+                <a:spLocks noChangeArrowheads="1"/>
+              </p:cNvSpPr>
+              <p:nvPr/>
+            </p:nvSpPr>
+            <p:spPr bwMode="auto">
+              <a:xfrm>
+                <a:off x="7920" y="10079"/>
+                <a:ext cx="540" cy="360"/>
+              </a:xfrm>
+              <a:prstGeom prst="rect">
+                <a:avLst/>
+              </a:prstGeom>
+              <a:solidFill>
+                <a:srgbClr val="FFFFFF"/>
+              </a:solidFill>
+              <a:ln w="9525">
+                <a:solidFill>
+                  <a:srgbClr val="000000"/>
+                </a:solidFill>
+                <a:miter lim="800000"/>
+                <a:headEnd/>
+                <a:tailEnd/>
+              </a:ln>
+            </p:spPr>
+            <p:txBody>
+              <a:bodyPr vert="horz" wrap="square" lIns="91440" tIns="45720" rIns="91440" bIns="45720" numCol="1" anchor="t" anchorCtr="0" compatLnSpc="1">
+                <a:prstTxWarp prst="textNoShape">
+                  <a:avLst/>
+                </a:prstTxWarp>
+              </a:bodyPr>
+              <a:lstStyle/>
+              <a:p>
+                <a:endParaRPr lang="fr-FR"/>
+              </a:p>
+            </p:txBody>
+          </p:sp>
+          <p:sp>
+            <p:nvSpPr>
+              <p:cNvPr id="35" name="Rectangle 31">
+                <a:extLst>
+                  <a:ext uri="{FF2B5EF4-FFF2-40B4-BE49-F238E27FC236}">
+                    <a16:creationId xmlns:a16="http://schemas.microsoft.com/office/drawing/2014/main" id="{5EB5AEA6-EBD1-4300-AADB-AA87FFDF7B7B}"/>
+                  </a:ext>
+                </a:extLst>
+              </p:cNvPr>
+              <p:cNvSpPr>
+                <a:spLocks noChangeArrowheads="1"/>
+              </p:cNvSpPr>
+              <p:nvPr/>
+            </p:nvSpPr>
+            <p:spPr bwMode="auto">
+              <a:xfrm>
+                <a:off x="7920" y="9359"/>
+                <a:ext cx="540" cy="360"/>
+              </a:xfrm>
+              <a:prstGeom prst="rect">
+                <a:avLst/>
+              </a:prstGeom>
+              <a:solidFill>
+                <a:srgbClr val="FFFFFF"/>
+              </a:solidFill>
+              <a:ln w="9525">
+                <a:solidFill>
+                  <a:srgbClr val="000000"/>
+                </a:solidFill>
+                <a:miter lim="800000"/>
+                <a:headEnd/>
+                <a:tailEnd/>
+              </a:ln>
+            </p:spPr>
+            <p:txBody>
+              <a:bodyPr vert="horz" wrap="square" lIns="91440" tIns="45720" rIns="91440" bIns="45720" numCol="1" anchor="t" anchorCtr="0" compatLnSpc="1">
+                <a:prstTxWarp prst="textNoShape">
+                  <a:avLst/>
+                </a:prstTxWarp>
+              </a:bodyPr>
+              <a:lstStyle/>
+              <a:p>
+                <a:endParaRPr lang="fr-FR"/>
+              </a:p>
+            </p:txBody>
+          </p:sp>
+        </p:grpSp>
+        <p:sp>
+          <p:nvSpPr>
+            <p:cNvPr id="24" name="Rectangle 29">
+              <a:extLst>
+                <a:ext uri="{FF2B5EF4-FFF2-40B4-BE49-F238E27FC236}">
+                  <a16:creationId xmlns:a16="http://schemas.microsoft.com/office/drawing/2014/main" id="{C35D2579-8B04-4D19-8C1D-559CEF205960}"/>
+                </a:ext>
+              </a:extLst>
+            </p:cNvPr>
+            <p:cNvSpPr>
+              <a:spLocks noChangeArrowheads="1"/>
+            </p:cNvSpPr>
+            <p:nvPr/>
+          </p:nvSpPr>
+          <p:spPr bwMode="auto">
+            <a:xfrm>
+              <a:off x="8460" y="8999"/>
+              <a:ext cx="720" cy="360"/>
+            </a:xfrm>
+            <a:prstGeom prst="rect">
+              <a:avLst/>
+            </a:prstGeom>
+            <a:solidFill>
+              <a:srgbClr val="FFFFFF"/>
+            </a:solidFill>
+            <a:ln w="9525">
+              <a:solidFill>
+                <a:srgbClr val="000000"/>
+              </a:solidFill>
+              <a:miter lim="800000"/>
+              <a:headEnd/>
+              <a:tailEnd/>
+            </a:ln>
+          </p:spPr>
+          <p:txBody>
+            <a:bodyPr vert="horz" wrap="square" lIns="91440" tIns="45720" rIns="91440" bIns="45720" numCol="1" anchor="t" anchorCtr="0" compatLnSpc="1">
+              <a:prstTxWarp prst="textNoShape">
+                <a:avLst/>
+              </a:prstTxWarp>
+            </a:bodyPr>
+            <a:lstStyle/>
+            <a:p>
+              <a:pPr marL="0" marR="0" lvl="0" indent="0" algn="l" defTabSz="914400" rtl="0" eaLnBrk="0" fontAlgn="base" latinLnBrk="0" hangingPunct="0">
+                <a:lnSpc>
+                  <a:spcPct val="100000"/>
+                </a:lnSpc>
+                <a:spcBef>
+                  <a:spcPct val="0"/>
+                </a:spcBef>
+                <a:spcAft>
+                  <a:spcPct val="0"/>
+                </a:spcAft>
+                <a:buClrTx/>
+                <a:buSzTx/>
+                <a:buFontTx/>
+                <a:buNone/>
+                <a:tabLst/>
+              </a:pPr>
+              <a:r>
+                <a:rPr kumimoji="0" lang="fr-FR" altLang="fr-FR" sz="1200" b="0" i="0" u="none" strike="noStrike" cap="none" normalizeH="0" baseline="0" dirty="0">
+                  <a:ln>
+                    <a:noFill/>
+                  </a:ln>
+                  <a:solidFill>
+                    <a:schemeClr val="tx1"/>
+                  </a:solidFill>
+                  <a:effectLst/>
+                  <a:latin typeface="Arial" panose="020B0604020202020204" pitchFamily="34" charset="0"/>
+                  <a:ea typeface="Times New Roman" panose="02020603050405020304" pitchFamily="18" charset="0"/>
+                </a:rPr>
+                <a:t>/ 6</a:t>
+              </a:r>
+              <a:endParaRPr kumimoji="0" lang="fr-FR" altLang="fr-FR" sz="1800" b="0" i="0" u="none" strike="noStrike" cap="none" normalizeH="0" baseline="0" dirty="0">
+                <a:ln>
+                  <a:noFill/>
+                </a:ln>
+                <a:solidFill>
+                  <a:schemeClr val="tx1"/>
+                </a:solidFill>
+                <a:effectLst/>
+                <a:latin typeface="Arial" panose="020B0604020202020204" pitchFamily="34" charset="0"/>
+              </a:endParaRPr>
+            </a:p>
+          </p:txBody>
+        </p:sp>
+        <p:sp>
+          <p:nvSpPr>
+            <p:cNvPr id="25" name="Rectangle 28">
+              <a:extLst>
+                <a:ext uri="{FF2B5EF4-FFF2-40B4-BE49-F238E27FC236}">
+                  <a16:creationId xmlns:a16="http://schemas.microsoft.com/office/drawing/2014/main" id="{47933EEC-0B35-44AC-85E1-F40A9E6F253D}"/>
+                </a:ext>
+              </a:extLst>
+            </p:cNvPr>
+            <p:cNvSpPr>
+              <a:spLocks noChangeArrowheads="1"/>
+            </p:cNvSpPr>
+            <p:nvPr/>
+          </p:nvSpPr>
+          <p:spPr bwMode="auto">
+            <a:xfrm>
+              <a:off x="8460" y="9359"/>
+              <a:ext cx="720" cy="360"/>
+            </a:xfrm>
+            <a:prstGeom prst="rect">
+              <a:avLst/>
+            </a:prstGeom>
+            <a:solidFill>
+              <a:srgbClr val="FFFFFF"/>
+            </a:solidFill>
+            <a:ln w="9525">
+              <a:solidFill>
+                <a:srgbClr val="000000"/>
+              </a:solidFill>
+              <a:miter lim="800000"/>
+              <a:headEnd/>
+              <a:tailEnd/>
+            </a:ln>
+          </p:spPr>
+          <p:txBody>
+            <a:bodyPr vert="horz" wrap="square" lIns="91440" tIns="45720" rIns="91440" bIns="45720" numCol="1" anchor="t" anchorCtr="0" compatLnSpc="1">
+              <a:prstTxWarp prst="textNoShape">
+                <a:avLst/>
+              </a:prstTxWarp>
+            </a:bodyPr>
+            <a:lstStyle/>
+            <a:p>
+              <a:pPr marL="0" marR="0" lvl="0" indent="0" algn="l" defTabSz="914400" rtl="0" eaLnBrk="0" fontAlgn="base" latinLnBrk="0" hangingPunct="0">
+                <a:lnSpc>
+                  <a:spcPct val="100000"/>
+                </a:lnSpc>
+                <a:spcBef>
+                  <a:spcPct val="0"/>
+                </a:spcBef>
+                <a:spcAft>
+                  <a:spcPct val="0"/>
+                </a:spcAft>
+                <a:buClrTx/>
+                <a:buSzTx/>
+                <a:buFontTx/>
+                <a:buNone/>
+                <a:tabLst/>
+              </a:pPr>
+              <a:r>
+                <a:rPr kumimoji="0" lang="fr-FR" altLang="fr-FR" sz="1200" b="0" i="0" u="none" strike="noStrike" cap="none" normalizeH="0" baseline="0" dirty="0">
+                  <a:ln>
+                    <a:noFill/>
+                  </a:ln>
+                  <a:solidFill>
+                    <a:schemeClr val="tx1"/>
+                  </a:solidFill>
+                  <a:effectLst/>
+                  <a:latin typeface="Arial" panose="020B0604020202020204" pitchFamily="34" charset="0"/>
+                  <a:ea typeface="Times New Roman" panose="02020603050405020304" pitchFamily="18" charset="0"/>
+                </a:rPr>
+                <a:t>/ 4</a:t>
+              </a:r>
+              <a:endParaRPr kumimoji="0" lang="fr-FR" altLang="fr-FR" sz="1800" b="0" i="0" u="none" strike="noStrike" cap="none" normalizeH="0" baseline="0" dirty="0">
+                <a:ln>
+                  <a:noFill/>
+                </a:ln>
+                <a:solidFill>
+                  <a:schemeClr val="tx1"/>
+                </a:solidFill>
+                <a:effectLst/>
+                <a:latin typeface="Arial" panose="020B0604020202020204" pitchFamily="34" charset="0"/>
+              </a:endParaRPr>
+            </a:p>
+          </p:txBody>
+        </p:sp>
+        <p:sp>
+          <p:nvSpPr>
+            <p:cNvPr id="26" name="Rectangle 27">
+              <a:extLst>
+                <a:ext uri="{FF2B5EF4-FFF2-40B4-BE49-F238E27FC236}">
+                  <a16:creationId xmlns:a16="http://schemas.microsoft.com/office/drawing/2014/main" id="{5ECBBF51-C992-403A-996A-5C48B9F205A2}"/>
+                </a:ext>
+              </a:extLst>
+            </p:cNvPr>
+            <p:cNvSpPr>
+              <a:spLocks noChangeArrowheads="1"/>
+            </p:cNvSpPr>
+            <p:nvPr/>
+          </p:nvSpPr>
+          <p:spPr bwMode="auto">
+            <a:xfrm>
+              <a:off x="8460" y="9719"/>
+              <a:ext cx="720" cy="360"/>
+            </a:xfrm>
+            <a:prstGeom prst="rect">
+              <a:avLst/>
+            </a:prstGeom>
+            <a:solidFill>
+              <a:srgbClr val="FFFFFF"/>
+            </a:solidFill>
+            <a:ln w="9525">
+              <a:solidFill>
+                <a:srgbClr val="000000"/>
+              </a:solidFill>
+              <a:miter lim="800000"/>
+              <a:headEnd/>
+              <a:tailEnd/>
+            </a:ln>
+          </p:spPr>
+          <p:txBody>
+            <a:bodyPr vert="horz" wrap="square" lIns="91440" tIns="45720" rIns="91440" bIns="45720" numCol="1" anchor="t" anchorCtr="0" compatLnSpc="1">
+              <a:prstTxWarp prst="textNoShape">
+                <a:avLst/>
+              </a:prstTxWarp>
+            </a:bodyPr>
+            <a:lstStyle/>
+            <a:p>
+              <a:pPr marL="0" marR="0" lvl="0" indent="0" algn="l" defTabSz="914400" rtl="0" eaLnBrk="0" fontAlgn="base" latinLnBrk="0" hangingPunct="0">
+                <a:lnSpc>
+                  <a:spcPct val="100000"/>
+                </a:lnSpc>
+                <a:spcBef>
+                  <a:spcPct val="0"/>
+                </a:spcBef>
+                <a:spcAft>
+                  <a:spcPct val="0"/>
+                </a:spcAft>
+                <a:buClrTx/>
+                <a:buSzTx/>
+                <a:buFontTx/>
+                <a:buNone/>
+                <a:tabLst/>
+              </a:pPr>
+              <a:r>
+                <a:rPr kumimoji="0" lang="fr-FR" altLang="fr-FR" sz="1200" b="0" i="0" u="none" strike="noStrike" cap="none" normalizeH="0" baseline="0" dirty="0">
+                  <a:ln>
+                    <a:noFill/>
+                  </a:ln>
+                  <a:solidFill>
+                    <a:schemeClr val="tx1"/>
+                  </a:solidFill>
+                  <a:effectLst/>
+                  <a:latin typeface="Arial" panose="020B0604020202020204" pitchFamily="34" charset="0"/>
+                  <a:ea typeface="Times New Roman" panose="02020603050405020304" pitchFamily="18" charset="0"/>
+                </a:rPr>
+                <a:t>/ 6</a:t>
+              </a:r>
+              <a:endParaRPr kumimoji="0" lang="fr-FR" altLang="fr-FR" sz="1800" b="0" i="0" u="none" strike="noStrike" cap="none" normalizeH="0" baseline="0" dirty="0">
+                <a:ln>
+                  <a:noFill/>
+                </a:ln>
+                <a:solidFill>
+                  <a:schemeClr val="tx1"/>
+                </a:solidFill>
+                <a:effectLst/>
+                <a:latin typeface="Arial" panose="020B0604020202020204" pitchFamily="34" charset="0"/>
+              </a:endParaRPr>
+            </a:p>
+          </p:txBody>
+        </p:sp>
+        <p:sp>
+          <p:nvSpPr>
+            <p:cNvPr id="27" name="Rectangle 26">
+              <a:extLst>
+                <a:ext uri="{FF2B5EF4-FFF2-40B4-BE49-F238E27FC236}">
+                  <a16:creationId xmlns:a16="http://schemas.microsoft.com/office/drawing/2014/main" id="{584F4E3A-8F61-4B4E-B2EA-09E6B8D416E6}"/>
+                </a:ext>
+              </a:extLst>
+            </p:cNvPr>
+            <p:cNvSpPr>
+              <a:spLocks noChangeArrowheads="1"/>
+            </p:cNvSpPr>
+            <p:nvPr/>
+          </p:nvSpPr>
+          <p:spPr bwMode="auto">
+            <a:xfrm>
+              <a:off x="8460" y="10079"/>
+              <a:ext cx="720" cy="360"/>
+            </a:xfrm>
+            <a:prstGeom prst="rect">
+              <a:avLst/>
+            </a:prstGeom>
+            <a:solidFill>
+              <a:srgbClr val="FFFFFF"/>
+            </a:solidFill>
+            <a:ln w="9525">
+              <a:solidFill>
+                <a:srgbClr val="000000"/>
+              </a:solidFill>
+              <a:miter lim="800000"/>
+              <a:headEnd/>
+              <a:tailEnd/>
+            </a:ln>
+          </p:spPr>
+          <p:txBody>
+            <a:bodyPr vert="horz" wrap="square" lIns="91440" tIns="45720" rIns="91440" bIns="45720" numCol="1" anchor="t" anchorCtr="0" compatLnSpc="1">
+              <a:prstTxWarp prst="textNoShape">
+                <a:avLst/>
+              </a:prstTxWarp>
+            </a:bodyPr>
+            <a:lstStyle/>
+            <a:p>
+              <a:pPr marL="0" marR="0" lvl="0" indent="0" algn="l" defTabSz="914400" rtl="0" eaLnBrk="0" fontAlgn="base" latinLnBrk="0" hangingPunct="0">
+                <a:lnSpc>
+                  <a:spcPct val="100000"/>
+                </a:lnSpc>
+                <a:spcBef>
+                  <a:spcPct val="0"/>
+                </a:spcBef>
+                <a:spcAft>
+                  <a:spcPct val="0"/>
+                </a:spcAft>
+                <a:buClrTx/>
+                <a:buSzTx/>
+                <a:buFontTx/>
+                <a:buNone/>
+                <a:tabLst/>
+              </a:pPr>
+              <a:r>
+                <a:rPr kumimoji="0" lang="fr-FR" altLang="fr-FR" sz="1200" b="0" i="0" u="none" strike="noStrike" cap="none" normalizeH="0" baseline="0" dirty="0">
+                  <a:ln>
+                    <a:noFill/>
+                  </a:ln>
+                  <a:solidFill>
+                    <a:schemeClr val="tx1"/>
+                  </a:solidFill>
+                  <a:effectLst/>
+                  <a:latin typeface="Arial" panose="020B0604020202020204" pitchFamily="34" charset="0"/>
+                  <a:ea typeface="Times New Roman" panose="02020603050405020304" pitchFamily="18" charset="0"/>
+                </a:rPr>
+                <a:t>/ 4</a:t>
+              </a:r>
+              <a:endParaRPr kumimoji="0" lang="fr-FR" altLang="fr-FR" sz="1800" b="0" i="0" u="none" strike="noStrike" cap="none" normalizeH="0" baseline="0" dirty="0">
+                <a:ln>
+                  <a:noFill/>
+                </a:ln>
+                <a:solidFill>
+                  <a:schemeClr val="tx1"/>
+                </a:solidFill>
+                <a:effectLst/>
+                <a:latin typeface="Arial" panose="020B0604020202020204" pitchFamily="34" charset="0"/>
+              </a:endParaRPr>
+            </a:p>
+          </p:txBody>
+        </p:sp>
+      </p:grpSp>
+      <p:sp>
+        <p:nvSpPr>
+          <p:cNvPr id="36" name="Rectangle 44">
+            <a:extLst>
+              <a:ext uri="{FF2B5EF4-FFF2-40B4-BE49-F238E27FC236}">
+                <a16:creationId xmlns:a16="http://schemas.microsoft.com/office/drawing/2014/main" id="{67E09B0A-7A3F-44D5-A25E-B09DDFC0AD88}"/>
+              </a:ext>
+            </a:extLst>
+          </p:cNvPr>
+          <p:cNvSpPr>
+            <a:spLocks noChangeArrowheads="1"/>
+          </p:cNvSpPr>
+          <p:nvPr/>
+        </p:nvSpPr>
+        <p:spPr bwMode="auto">
+          <a:xfrm>
+            <a:off x="220663" y="6951273"/>
+            <a:ext cx="6762384" cy="2246769"/>
+          </a:xfrm>
+          <a:prstGeom prst="rect">
+            <a:avLst/>
+          </a:prstGeom>
+          <a:noFill/>
+          <a:ln>
+            <a:noFill/>
+          </a:ln>
+          <a:effectLst/>
+          <a:extLst>
+            <a:ext uri="{909E8E84-426E-40DD-AFC4-6F175D3DCCD1}">
+              <a14:hiddenFill xmlns:a14="http://schemas.microsoft.com/office/drawing/2010/main">
+                <a:solidFill>
+                  <a:schemeClr val="accent1"/>
+                </a:solidFill>
+              </a14:hiddenFill>
+            </a:ext>
+            <a:ext uri="{91240B29-F687-4F45-9708-019B960494DF}">
+              <a14:hiddenLine xmlns:a14="http://schemas.microsoft.com/office/drawing/2010/main" w="9525">
+                <a:solidFill>
+                  <a:schemeClr val="tx1"/>
+                </a:solidFill>
+                <a:miter lim="800000"/>
+                <a:headEnd/>
+                <a:tailEnd/>
+              </a14:hiddenLine>
+            </a:ext>
+            <a:ext uri="{AF507438-7753-43E0-B8FC-AC1667EBCBE1}">
+              <a14:hiddenEffects xmlns:a14="http://schemas.microsoft.com/office/drawing/2010/main">
+                <a:effectLst>
+                  <a:outerShdw dist="35921" dir="2700000" algn="ctr" rotWithShape="0">
+                    <a:schemeClr val="bg2"/>
+                  </a:outerShdw>
+                </a:effectLst>
+              </a14:hiddenEffects>
+            </a:ext>
+          </a:extLst>
+        </p:spPr>
+        <p:txBody>
+          <a:bodyPr vert="horz" wrap="square" lIns="91440" tIns="45720" rIns="91440" bIns="45720" numCol="1" anchor="ctr" anchorCtr="0" compatLnSpc="1">
+            <a:prstTxWarp prst="textNoShape">
+              <a:avLst/>
+            </a:prstTxWarp>
+            <a:spAutoFit/>
+          </a:bodyPr>
+          <a:lstStyle>
+            <a:lvl1pPr>
+              <a:tabLst>
+                <a:tab pos="449263" algn="r"/>
+              </a:tabLst>
+              <a:defRPr>
+                <a:solidFill>
+                  <a:schemeClr val="tx1"/>
+                </a:solidFill>
+                <a:latin typeface="Arial" panose="020B0604020202020204" pitchFamily="34" charset="0"/>
+              </a:defRPr>
+            </a:lvl1pPr>
+            <a:lvl2pPr>
+              <a:tabLst>
+                <a:tab pos="449263" algn="r"/>
+              </a:tabLst>
+              <a:defRPr>
+                <a:solidFill>
+                  <a:schemeClr val="tx1"/>
+                </a:solidFill>
+                <a:latin typeface="Arial" panose="020B0604020202020204" pitchFamily="34" charset="0"/>
+              </a:defRPr>
+            </a:lvl2pPr>
+            <a:lvl3pPr>
+              <a:tabLst>
+                <a:tab pos="449263" algn="r"/>
+              </a:tabLst>
+              <a:defRPr>
+                <a:solidFill>
+                  <a:schemeClr val="tx1"/>
+                </a:solidFill>
+                <a:latin typeface="Arial" panose="020B0604020202020204" pitchFamily="34" charset="0"/>
+              </a:defRPr>
+            </a:lvl3pPr>
+            <a:lvl4pPr>
+              <a:tabLst>
+                <a:tab pos="449263" algn="r"/>
+              </a:tabLst>
+              <a:defRPr>
+                <a:solidFill>
+                  <a:schemeClr val="tx1"/>
+                </a:solidFill>
+                <a:latin typeface="Arial" panose="020B0604020202020204" pitchFamily="34" charset="0"/>
+              </a:defRPr>
+            </a:lvl4pPr>
+            <a:lvl5pPr>
+              <a:tabLst>
+                <a:tab pos="449263" algn="r"/>
+              </a:tabLst>
+              <a:defRPr>
+                <a:solidFill>
+                  <a:schemeClr val="tx1"/>
+                </a:solidFill>
+                <a:latin typeface="Arial" panose="020B0604020202020204" pitchFamily="34" charset="0"/>
+              </a:defRPr>
+            </a:lvl5pPr>
+            <a:lvl6pPr eaLnBrk="0" fontAlgn="base" hangingPunct="0">
+              <a:spcBef>
+                <a:spcPct val="0"/>
+              </a:spcBef>
+              <a:spcAft>
+                <a:spcPct val="0"/>
+              </a:spcAft>
+              <a:tabLst>
+                <a:tab pos="449263" algn="r"/>
+              </a:tabLst>
+              <a:defRPr>
+                <a:solidFill>
+                  <a:schemeClr val="tx1"/>
+                </a:solidFill>
+                <a:latin typeface="Arial" panose="020B0604020202020204" pitchFamily="34" charset="0"/>
+              </a:defRPr>
+            </a:lvl6pPr>
+            <a:lvl7pPr eaLnBrk="0" fontAlgn="base" hangingPunct="0">
+              <a:spcBef>
+                <a:spcPct val="0"/>
+              </a:spcBef>
+              <a:spcAft>
+                <a:spcPct val="0"/>
+              </a:spcAft>
+              <a:tabLst>
+                <a:tab pos="449263" algn="r"/>
+              </a:tabLst>
+              <a:defRPr>
+                <a:solidFill>
+                  <a:schemeClr val="tx1"/>
+                </a:solidFill>
+                <a:latin typeface="Arial" panose="020B0604020202020204" pitchFamily="34" charset="0"/>
+              </a:defRPr>
+            </a:lvl7pPr>
+            <a:lvl8pPr eaLnBrk="0" fontAlgn="base" hangingPunct="0">
+              <a:spcBef>
+                <a:spcPct val="0"/>
+              </a:spcBef>
+              <a:spcAft>
+                <a:spcPct val="0"/>
+              </a:spcAft>
+              <a:tabLst>
+                <a:tab pos="449263" algn="r"/>
+              </a:tabLst>
+              <a:defRPr>
+                <a:solidFill>
+                  <a:schemeClr val="tx1"/>
+                </a:solidFill>
+                <a:latin typeface="Arial" panose="020B0604020202020204" pitchFamily="34" charset="0"/>
+              </a:defRPr>
+            </a:lvl8pPr>
+            <a:lvl9pPr eaLnBrk="0" fontAlgn="base" hangingPunct="0">
+              <a:spcBef>
+                <a:spcPct val="0"/>
+              </a:spcBef>
+              <a:spcAft>
+                <a:spcPct val="0"/>
+              </a:spcAft>
+              <a:tabLst>
+                <a:tab pos="449263" algn="r"/>
+              </a:tabLst>
+              <a:defRPr>
+                <a:solidFill>
+                  <a:schemeClr val="tx1"/>
+                </a:solidFill>
+                <a:latin typeface="Arial" panose="020B0604020202020204" pitchFamily="34" charset="0"/>
+              </a:defRPr>
+            </a:lvl9pPr>
+          </a:lstStyle>
+          <a:p>
+            <a:pPr defTabSz="914400"/>
+            <a:r>
+              <a:rPr lang="fr-FR" altLang="fr-FR" sz="1400" b="1" u="sng" dirty="0">
+                <a:ea typeface="Times New Roman" panose="02020603050405020304" pitchFamily="18" charset="0"/>
+              </a:rPr>
+              <a:t>CRITERES D’EVALUATION </a:t>
+            </a:r>
+            <a:r>
+              <a:rPr lang="fr-FR" altLang="fr-FR" sz="1400" b="1" dirty="0">
+                <a:ea typeface="Times New Roman" panose="02020603050405020304" pitchFamily="18" charset="0"/>
+              </a:rPr>
+              <a:t>	</a:t>
+            </a:r>
+            <a:r>
+              <a:rPr lang="fr-FR" altLang="fr-FR" sz="1400" dirty="0">
+                <a:ea typeface="Times New Roman" panose="02020603050405020304" pitchFamily="18" charset="0"/>
+              </a:rPr>
+              <a:t> </a:t>
+            </a:r>
+            <a:r>
+              <a:rPr lang="fr-FR" altLang="fr-FR" sz="1400" dirty="0">
+                <a:ea typeface="Times New Roman" panose="02020603050405020304" pitchFamily="18" charset="0"/>
+                <a:sym typeface="Wingdings" panose="05000000000000000000" pitchFamily="2" charset="2"/>
+              </a:rPr>
+              <a:t>	</a:t>
+            </a:r>
+            <a:endParaRPr lang="fr-FR" altLang="fr-FR" sz="1400" dirty="0">
+              <a:sym typeface="Wingdings" panose="05000000000000000000" pitchFamily="2" charset="2"/>
+            </a:endParaRPr>
+          </a:p>
+          <a:p>
+            <a:pPr marL="0" marR="0" lvl="0" indent="0" algn="l" defTabSz="914400" rtl="0" eaLnBrk="0" fontAlgn="base" latinLnBrk="0" hangingPunct="0">
+              <a:lnSpc>
+                <a:spcPct val="100000"/>
+              </a:lnSpc>
+              <a:spcBef>
+                <a:spcPct val="0"/>
+              </a:spcBef>
+              <a:spcAft>
+                <a:spcPct val="0"/>
+              </a:spcAft>
+              <a:buClrTx/>
+              <a:buSzTx/>
+              <a:buFontTx/>
+              <a:buNone/>
+              <a:tabLst>
+                <a:tab pos="449263" algn="r"/>
+              </a:tabLst>
+            </a:pPr>
+            <a:endParaRPr kumimoji="0" lang="fr-FR" altLang="fr-FR" sz="1400" b="0" i="0" u="none" strike="noStrike" cap="none" normalizeH="0" baseline="0" dirty="0">
+              <a:ln>
+                <a:noFill/>
+              </a:ln>
+              <a:solidFill>
+                <a:schemeClr val="tx1"/>
+              </a:solidFill>
+              <a:effectLst/>
+              <a:latin typeface="+mn-lt"/>
+            </a:endParaRPr>
+          </a:p>
+          <a:p>
+            <a:pPr marL="0" marR="0" lvl="0" indent="0" algn="l" defTabSz="914400" rtl="0" eaLnBrk="0" fontAlgn="base" latinLnBrk="0" hangingPunct="0">
+              <a:lnSpc>
+                <a:spcPct val="100000"/>
+              </a:lnSpc>
+              <a:spcBef>
+                <a:spcPct val="0"/>
+              </a:spcBef>
+              <a:spcAft>
+                <a:spcPct val="0"/>
+              </a:spcAft>
+              <a:buClrTx/>
+              <a:buSzTx/>
+              <a:buFontTx/>
+              <a:buNone/>
+              <a:tabLst>
+                <a:tab pos="449263" algn="r"/>
+              </a:tabLst>
+            </a:pPr>
+            <a:r>
+              <a:rPr kumimoji="0" lang="fr-FR" altLang="fr-FR" sz="1400" b="0" i="0" u="none" strike="noStrike" cap="none" normalizeH="0" baseline="0" dirty="0">
+                <a:ln>
+                  <a:noFill/>
+                </a:ln>
+                <a:solidFill>
+                  <a:schemeClr val="tx1"/>
+                </a:solidFill>
+                <a:effectLst/>
+                <a:latin typeface="+mn-lt"/>
+                <a:ea typeface="Times New Roman" panose="02020603050405020304" pitchFamily="18" charset="0"/>
+                <a:sym typeface="Wingdings" panose="05000000000000000000" pitchFamily="2" charset="2"/>
+              </a:rPr>
+              <a:t></a:t>
+            </a:r>
+            <a:r>
+              <a:rPr kumimoji="0" lang="fr-FR" altLang="fr-FR" sz="1400" b="0" i="0" u="none" strike="noStrike" cap="none" normalizeH="0" baseline="0" dirty="0">
+                <a:ln>
+                  <a:noFill/>
+                </a:ln>
+                <a:solidFill>
+                  <a:schemeClr val="tx1"/>
+                </a:solidFill>
+                <a:effectLst/>
+                <a:latin typeface="+mn-lt"/>
+                <a:ea typeface="Times New Roman" panose="02020603050405020304" pitchFamily="18" charset="0"/>
+              </a:rPr>
+              <a:t>Les différents éléments sont correctement identifiés </a:t>
+            </a:r>
+          </a:p>
+          <a:p>
+            <a:pPr marL="0" marR="0" lvl="0" indent="0" algn="l" defTabSz="914400" rtl="0" eaLnBrk="0" fontAlgn="base" latinLnBrk="0" hangingPunct="0">
+              <a:lnSpc>
+                <a:spcPct val="100000"/>
+              </a:lnSpc>
+              <a:spcBef>
+                <a:spcPct val="0"/>
+              </a:spcBef>
+              <a:spcAft>
+                <a:spcPct val="0"/>
+              </a:spcAft>
+              <a:buClrTx/>
+              <a:buSzTx/>
+              <a:buFontTx/>
+              <a:buNone/>
+              <a:tabLst>
+                <a:tab pos="449263" algn="r"/>
+              </a:tabLst>
+            </a:pPr>
+            <a:r>
+              <a:rPr lang="fr-FR" altLang="fr-FR" sz="1400" dirty="0">
+                <a:latin typeface="+mn-lt"/>
+                <a:sym typeface="Wingdings" panose="05000000000000000000" pitchFamily="2" charset="2"/>
+              </a:rPr>
+              <a:t>	1 point par erreur de désignation ou nombre</a:t>
+            </a:r>
+            <a:endParaRPr kumimoji="0" lang="fr-FR" altLang="fr-FR" sz="1400" b="0" i="0" u="none" strike="noStrike" cap="none" normalizeH="0" baseline="0" dirty="0">
+              <a:ln>
+                <a:noFill/>
+              </a:ln>
+              <a:solidFill>
+                <a:schemeClr val="tx1"/>
+              </a:solidFill>
+              <a:effectLst/>
+              <a:latin typeface="+mn-lt"/>
+              <a:sym typeface="Wingdings" panose="05000000000000000000" pitchFamily="2" charset="2"/>
+            </a:endParaRPr>
+          </a:p>
+          <a:p>
+            <a:pPr marL="0" marR="0" lvl="0" indent="0" algn="l" defTabSz="914400" rtl="0" eaLnBrk="0" fontAlgn="base" latinLnBrk="0" hangingPunct="0">
+              <a:lnSpc>
+                <a:spcPct val="100000"/>
+              </a:lnSpc>
+              <a:spcBef>
+                <a:spcPct val="0"/>
+              </a:spcBef>
+              <a:spcAft>
+                <a:spcPct val="0"/>
+              </a:spcAft>
+              <a:buClrTx/>
+              <a:buSzTx/>
+              <a:buFontTx/>
+              <a:buNone/>
+              <a:tabLst>
+                <a:tab pos="449263" algn="r"/>
+              </a:tabLst>
+            </a:pPr>
+            <a:r>
+              <a:rPr kumimoji="0" lang="fr-FR" altLang="fr-FR" sz="1400" b="0" i="0" u="none" strike="noStrike" cap="none" normalizeH="0" baseline="0" dirty="0">
+                <a:ln>
+                  <a:noFill/>
+                </a:ln>
+                <a:solidFill>
+                  <a:schemeClr val="tx1"/>
+                </a:solidFill>
+                <a:effectLst/>
+                <a:latin typeface="+mn-lt"/>
+                <a:ea typeface="Times New Roman" panose="02020603050405020304" pitchFamily="18" charset="0"/>
+                <a:sym typeface="Wingdings" panose="05000000000000000000" pitchFamily="2" charset="2"/>
+              </a:rPr>
+              <a:t>C</a:t>
+            </a:r>
+            <a:r>
+              <a:rPr kumimoji="0" lang="fr-FR" altLang="fr-FR" sz="1400" b="0" i="0" u="none" strike="noStrike" cap="none" normalizeH="0" baseline="0" dirty="0">
+                <a:ln>
+                  <a:noFill/>
+                </a:ln>
+                <a:solidFill>
+                  <a:schemeClr val="tx1"/>
+                </a:solidFill>
+                <a:effectLst/>
+                <a:latin typeface="+mn-lt"/>
+                <a:ea typeface="Times New Roman" panose="02020603050405020304" pitchFamily="18" charset="0"/>
+              </a:rPr>
+              <a:t>haque élément à fabriqué est mentionné</a:t>
+            </a:r>
+          </a:p>
+          <a:p>
+            <a:pPr marL="0" marR="0" lvl="0" indent="0" algn="l" defTabSz="914400" rtl="0" eaLnBrk="0" fontAlgn="base" latinLnBrk="0" hangingPunct="0">
+              <a:lnSpc>
+                <a:spcPct val="100000"/>
+              </a:lnSpc>
+              <a:spcBef>
+                <a:spcPct val="0"/>
+              </a:spcBef>
+              <a:spcAft>
+                <a:spcPct val="0"/>
+              </a:spcAft>
+              <a:buClrTx/>
+              <a:buSzTx/>
+              <a:buFontTx/>
+              <a:buNone/>
+              <a:tabLst>
+                <a:tab pos="449263" algn="r"/>
+              </a:tabLst>
+            </a:pPr>
+            <a:r>
+              <a:rPr lang="fr-FR" altLang="fr-FR" sz="1400" dirty="0">
+                <a:latin typeface="+mn-lt"/>
+                <a:sym typeface="Wingdings" panose="05000000000000000000" pitchFamily="2" charset="2"/>
+              </a:rPr>
+              <a:t>	1 point par oubli</a:t>
+            </a:r>
+            <a:endParaRPr kumimoji="0" lang="fr-FR" altLang="fr-FR" sz="1400" b="0" i="0" u="none" strike="noStrike" cap="none" normalizeH="0" baseline="0" dirty="0">
+              <a:ln>
+                <a:noFill/>
+              </a:ln>
+              <a:solidFill>
+                <a:schemeClr val="tx1"/>
+              </a:solidFill>
+              <a:effectLst/>
+              <a:latin typeface="+mn-lt"/>
+              <a:sym typeface="Wingdings" panose="05000000000000000000" pitchFamily="2" charset="2"/>
+            </a:endParaRPr>
+          </a:p>
+          <a:p>
+            <a:pPr marL="0" marR="0" lvl="0" indent="0" algn="l" defTabSz="914400" rtl="0" eaLnBrk="0" fontAlgn="base" latinLnBrk="0" hangingPunct="0">
+              <a:lnSpc>
+                <a:spcPct val="100000"/>
+              </a:lnSpc>
+              <a:spcBef>
+                <a:spcPct val="0"/>
+              </a:spcBef>
+              <a:spcAft>
+                <a:spcPct val="0"/>
+              </a:spcAft>
+              <a:buClrTx/>
+              <a:buSzTx/>
+              <a:buFontTx/>
+              <a:buNone/>
+              <a:tabLst>
+                <a:tab pos="449263" algn="r"/>
+              </a:tabLst>
+            </a:pPr>
+            <a:r>
+              <a:rPr kumimoji="0" lang="fr-FR" altLang="fr-FR" sz="1400" b="0" i="0" u="none" strike="noStrike" cap="none" normalizeH="0" baseline="0" dirty="0">
+                <a:ln>
+                  <a:noFill/>
+                </a:ln>
+                <a:solidFill>
+                  <a:schemeClr val="tx1"/>
+                </a:solidFill>
+                <a:effectLst/>
+                <a:latin typeface="+mn-lt"/>
+                <a:ea typeface="Times New Roman" panose="02020603050405020304" pitchFamily="18" charset="0"/>
+                <a:sym typeface="Wingdings" panose="05000000000000000000" pitchFamily="2" charset="2"/>
+              </a:rPr>
+              <a:t></a:t>
+            </a:r>
+            <a:r>
+              <a:rPr kumimoji="0" lang="fr-FR" altLang="fr-FR" sz="1400" b="0" i="0" u="none" strike="noStrike" cap="none" normalizeH="0" baseline="0" dirty="0">
+                <a:ln>
+                  <a:noFill/>
+                </a:ln>
+                <a:solidFill>
+                  <a:schemeClr val="tx1"/>
+                </a:solidFill>
+                <a:effectLst/>
+                <a:latin typeface="+mn-lt"/>
+                <a:ea typeface="Times New Roman" panose="02020603050405020304" pitchFamily="18" charset="0"/>
+              </a:rPr>
+              <a:t>Les dimensions des éléments sont retranscrites</a:t>
+            </a:r>
+          </a:p>
+          <a:p>
+            <a:pPr marL="0" marR="0" lvl="0" indent="0" algn="l" defTabSz="914400" rtl="0" eaLnBrk="0" fontAlgn="base" latinLnBrk="0" hangingPunct="0">
+              <a:lnSpc>
+                <a:spcPct val="100000"/>
+              </a:lnSpc>
+              <a:spcBef>
+                <a:spcPct val="0"/>
+              </a:spcBef>
+              <a:spcAft>
+                <a:spcPct val="0"/>
+              </a:spcAft>
+              <a:buClrTx/>
+              <a:buSzTx/>
+              <a:buFontTx/>
+              <a:buNone/>
+              <a:tabLst>
+                <a:tab pos="449263" algn="r"/>
+              </a:tabLst>
+            </a:pPr>
+            <a:r>
+              <a:rPr lang="fr-FR" altLang="fr-FR" sz="1400" dirty="0">
+                <a:latin typeface="+mn-lt"/>
+                <a:sym typeface="Wingdings" panose="05000000000000000000" pitchFamily="2" charset="2"/>
+              </a:rPr>
+              <a:t>	0,5 par erreur de dimension finies ou majorées</a:t>
+            </a:r>
+            <a:endParaRPr kumimoji="0" lang="fr-FR" altLang="fr-FR" sz="1400" b="0" i="0" u="none" strike="noStrike" cap="none" normalizeH="0" baseline="0" dirty="0">
+              <a:ln>
+                <a:noFill/>
+              </a:ln>
+              <a:solidFill>
+                <a:schemeClr val="tx1"/>
+              </a:solidFill>
+              <a:effectLst/>
+              <a:latin typeface="+mn-lt"/>
+              <a:sym typeface="Wingdings" panose="05000000000000000000" pitchFamily="2" charset="2"/>
+            </a:endParaRPr>
+          </a:p>
+          <a:p>
+            <a:pPr marL="0" marR="0" lvl="0" indent="0" algn="l" defTabSz="914400" rtl="0" eaLnBrk="0" fontAlgn="base" latinLnBrk="0" hangingPunct="0">
+              <a:lnSpc>
+                <a:spcPct val="100000"/>
+              </a:lnSpc>
+              <a:spcBef>
+                <a:spcPct val="0"/>
+              </a:spcBef>
+              <a:spcAft>
+                <a:spcPct val="0"/>
+              </a:spcAft>
+              <a:buClrTx/>
+              <a:buSzTx/>
+              <a:buFontTx/>
+              <a:buNone/>
+              <a:tabLst>
+                <a:tab pos="449263" algn="r"/>
+              </a:tabLst>
+            </a:pPr>
+            <a:r>
+              <a:rPr kumimoji="0" lang="fr-FR" altLang="fr-FR" sz="1400" b="0" i="0" u="none" strike="noStrike" cap="none" normalizeH="0" baseline="0" dirty="0">
+                <a:ln>
+                  <a:noFill/>
+                </a:ln>
+                <a:solidFill>
+                  <a:schemeClr val="tx1"/>
+                </a:solidFill>
+                <a:effectLst/>
+                <a:latin typeface="+mn-lt"/>
+                <a:ea typeface="Times New Roman" panose="02020603050405020304" pitchFamily="18" charset="0"/>
+                <a:sym typeface="Wingdings" panose="05000000000000000000" pitchFamily="2" charset="2"/>
+              </a:rPr>
+              <a:t></a:t>
+            </a:r>
+            <a:r>
+              <a:rPr lang="fr-FR" altLang="fr-FR" sz="1400" dirty="0">
+                <a:latin typeface="+mn-lt"/>
+                <a:ea typeface="Times New Roman" panose="02020603050405020304" pitchFamily="18" charset="0"/>
+                <a:sym typeface="Wingdings" panose="05000000000000000000" pitchFamily="2" charset="2"/>
+              </a:rPr>
+              <a:t>Le cubage est calculé sans erreur</a:t>
+            </a:r>
+          </a:p>
+          <a:p>
+            <a:pPr marL="0" marR="0" lvl="0" indent="0" algn="l" defTabSz="914400" rtl="0" eaLnBrk="0" fontAlgn="base" latinLnBrk="0" hangingPunct="0">
+              <a:lnSpc>
+                <a:spcPct val="100000"/>
+              </a:lnSpc>
+              <a:spcBef>
+                <a:spcPct val="0"/>
+              </a:spcBef>
+              <a:spcAft>
+                <a:spcPct val="0"/>
+              </a:spcAft>
+              <a:buClrTx/>
+              <a:buSzTx/>
+              <a:buFontTx/>
+              <a:buNone/>
+              <a:tabLst>
+                <a:tab pos="449263" algn="r"/>
+              </a:tabLst>
+            </a:pPr>
+            <a:r>
+              <a:rPr kumimoji="0" lang="fr-FR" altLang="fr-FR" sz="1400" b="0" i="0" u="none" strike="noStrike" cap="none" normalizeH="0" baseline="0" dirty="0">
+                <a:ln>
+                  <a:noFill/>
+                </a:ln>
+                <a:solidFill>
+                  <a:schemeClr val="tx1"/>
+                </a:solidFill>
+                <a:effectLst/>
+                <a:latin typeface="+mn-lt"/>
+                <a:sym typeface="Wingdings" panose="05000000000000000000" pitchFamily="2" charset="2"/>
+              </a:rPr>
+              <a:t>	0,5 par erreur de résultat</a:t>
+            </a:r>
+          </a:p>
+        </p:txBody>
+      </p:sp>
+      <p:pic>
+        <p:nvPicPr>
+          <p:cNvPr id="20" name="Image 19">
+            <a:extLst>
+              <a:ext uri="{FF2B5EF4-FFF2-40B4-BE49-F238E27FC236}">
+                <a16:creationId xmlns:a16="http://schemas.microsoft.com/office/drawing/2014/main" id="{4406CC54-6124-448B-B995-198BC4FE1F02}"/>
+              </a:ext>
+            </a:extLst>
+          </p:cNvPr>
+          <p:cNvPicPr>
+            <a:picLocks noChangeAspect="1"/>
+          </p:cNvPicPr>
+          <p:nvPr/>
+        </p:nvPicPr>
+        <p:blipFill rotWithShape="1">
+          <a:blip r:embed="rId2">
+            <a:grayscl/>
+            <a:extLst>
+              <a:ext uri="{BEBA8EAE-BF5A-486C-A8C5-ECC9F3942E4B}">
+                <a14:imgProps xmlns:a14="http://schemas.microsoft.com/office/drawing/2010/main">
+                  <a14:imgLayer r:embed="rId3">
+                    <a14:imgEffect>
+                      <a14:sharpenSoften amount="25000"/>
+                    </a14:imgEffect>
+                  </a14:imgLayer>
+                </a14:imgProps>
+              </a:ext>
+            </a:extLst>
+          </a:blip>
+          <a:srcRect t="23908" b="1396"/>
+          <a:stretch/>
+        </p:blipFill>
+        <p:spPr>
+          <a:xfrm>
+            <a:off x="220663" y="1847512"/>
+            <a:ext cx="6796087" cy="4957123"/>
+          </a:xfrm>
+          <a:prstGeom prst="rect">
+            <a:avLst/>
+          </a:prstGeom>
+        </p:spPr>
+      </p:pic>
+      <p:sp>
+        <p:nvSpPr>
+          <p:cNvPr id="28" name="Rectangle 32">
+            <a:extLst>
+              <a:ext uri="{FF2B5EF4-FFF2-40B4-BE49-F238E27FC236}">
+                <a16:creationId xmlns:a16="http://schemas.microsoft.com/office/drawing/2014/main" id="{9721B7B5-7D1F-48EA-877B-F1694921960B}"/>
+              </a:ext>
+            </a:extLst>
+          </p:cNvPr>
+          <p:cNvSpPr>
+            <a:spLocks noChangeArrowheads="1"/>
+          </p:cNvSpPr>
+          <p:nvPr/>
+        </p:nvSpPr>
+        <p:spPr bwMode="auto">
+          <a:xfrm>
+            <a:off x="5459967" y="9017580"/>
+            <a:ext cx="569506" cy="654201"/>
+          </a:xfrm>
+          <a:prstGeom prst="rect">
+            <a:avLst/>
+          </a:prstGeom>
+          <a:solidFill>
+            <a:srgbClr val="FFFFFF"/>
+          </a:solidFill>
+          <a:ln w="9525">
+            <a:solidFill>
+              <a:srgbClr val="000000"/>
+            </a:solidFill>
+            <a:miter lim="800000"/>
+            <a:headEnd/>
+            <a:tailEnd/>
+          </a:ln>
+        </p:spPr>
+        <p:txBody>
+          <a:bodyPr vert="horz" wrap="square" lIns="91440" tIns="45720" rIns="91440" bIns="45720" numCol="1" anchor="t" anchorCtr="0" compatLnSpc="1">
+            <a:prstTxWarp prst="textNoShape">
+              <a:avLst/>
+            </a:prstTxWarp>
+          </a:bodyPr>
+          <a:lstStyle/>
+          <a:p>
+            <a:endParaRPr lang="fr-FR"/>
+          </a:p>
+        </p:txBody>
+      </p:sp>
+      <p:sp>
+        <p:nvSpPr>
+          <p:cNvPr id="33" name="Rectangle 24">
+            <a:extLst>
+              <a:ext uri="{FF2B5EF4-FFF2-40B4-BE49-F238E27FC236}">
+                <a16:creationId xmlns:a16="http://schemas.microsoft.com/office/drawing/2014/main" id="{636BC147-1A3F-41D6-ABDD-22B1174CDE51}"/>
+              </a:ext>
+            </a:extLst>
+          </p:cNvPr>
+          <p:cNvSpPr>
+            <a:spLocks noChangeArrowheads="1"/>
+          </p:cNvSpPr>
+          <p:nvPr/>
+        </p:nvSpPr>
+        <p:spPr bwMode="auto">
+          <a:xfrm>
+            <a:off x="6029473" y="9017580"/>
+            <a:ext cx="949177" cy="654201"/>
+          </a:xfrm>
+          <a:prstGeom prst="rect">
+            <a:avLst/>
+          </a:prstGeom>
+          <a:solidFill>
+            <a:srgbClr val="FFFFFF"/>
+          </a:solidFill>
+          <a:ln w="9525">
+            <a:solidFill>
+              <a:srgbClr val="000000"/>
+            </a:solidFill>
+            <a:miter lim="800000"/>
+            <a:headEnd/>
+            <a:tailEnd/>
+          </a:ln>
+        </p:spPr>
+        <p:txBody>
+          <a:bodyPr vert="horz" wrap="square" lIns="91440" tIns="45720" rIns="91440" bIns="45720" numCol="1" anchor="t" anchorCtr="0" compatLnSpc="1">
+            <a:prstTxWarp prst="textNoShape">
+              <a:avLst/>
+            </a:prstTxWarp>
+          </a:bodyPr>
+          <a:lstStyle/>
+          <a:p>
+            <a:pPr marL="0" marR="0" lvl="0" indent="0" algn="l" defTabSz="914400" rtl="0" eaLnBrk="0" fontAlgn="base" latinLnBrk="0" hangingPunct="0">
+              <a:lnSpc>
+                <a:spcPct val="100000"/>
+              </a:lnSpc>
+              <a:spcBef>
+                <a:spcPct val="0"/>
+              </a:spcBef>
+              <a:spcAft>
+                <a:spcPct val="0"/>
+              </a:spcAft>
+              <a:buClrTx/>
+              <a:buSzTx/>
+              <a:buFontTx/>
+              <a:buNone/>
+              <a:tabLst/>
+            </a:pPr>
+            <a:r>
+              <a:rPr kumimoji="0" lang="fr-FR" altLang="fr-FR" sz="1400" b="0" i="0" u="none" strike="noStrike" cap="none" normalizeH="0" baseline="0">
+                <a:ln>
+                  <a:noFill/>
+                </a:ln>
+                <a:solidFill>
+                  <a:schemeClr val="tx1"/>
+                </a:solidFill>
+                <a:effectLst/>
+                <a:latin typeface="Arial" panose="020B0604020202020204" pitchFamily="34" charset="0"/>
+                <a:ea typeface="Times New Roman" panose="02020603050405020304" pitchFamily="18" charset="0"/>
+              </a:rPr>
+              <a:t>/ 20</a:t>
+            </a:r>
+            <a:endParaRPr kumimoji="0" lang="fr-FR" altLang="fr-FR" sz="1800" b="0" i="0" u="none" strike="noStrike" cap="none" normalizeH="0" baseline="0">
+              <a:ln>
+                <a:noFill/>
+              </a:ln>
+              <a:solidFill>
+                <a:schemeClr val="tx1"/>
+              </a:solidFill>
+              <a:effectLst/>
+              <a:latin typeface="Arial" panose="020B0604020202020204" pitchFamily="34" charset="0"/>
+            </a:endParaRPr>
+          </a:p>
+        </p:txBody>
+      </p:sp>
+    </p:spTree>
+    <p:extLst>
+      <p:ext uri="{BB962C8B-B14F-4D97-AF65-F5344CB8AC3E}">
+        <p14:creationId xmlns:p14="http://schemas.microsoft.com/office/powerpoint/2010/main" val="729743281"/>
+      </p:ext>
+    </p:extLst>
   </p:cSld>
   <p:clrMapOvr>
     <a:masterClrMapping/>

--- a/La feuille de débit.pptx
+++ b/La feuille de débit.pptx
@@ -282,7 +282,7 @@
               <a:pPr>
                 <a:defRPr/>
               </a:pPr>
-              <a:t>08/09/2024</a:t>
+              <a:t>27/09/2024</a:t>
             </a:fld>
             <a:endParaRPr lang="fr-FR"/>
           </a:p>
@@ -520,7 +520,7 @@
               <a:pPr>
                 <a:defRPr/>
               </a:pPr>
-              <a:t>08/09/2024</a:t>
+              <a:t>27/09/2024</a:t>
             </a:fld>
             <a:endParaRPr lang="fr-FR"/>
           </a:p>
@@ -1011,7 +1011,7 @@
               <a:pPr>
                 <a:defRPr/>
               </a:pPr>
-              <a:t>08/09/2024</a:t>
+              <a:t>27/09/2024</a:t>
             </a:fld>
             <a:endParaRPr lang="fr-FR"/>
           </a:p>
@@ -1226,7 +1226,7 @@
               <a:pPr>
                 <a:defRPr/>
               </a:pPr>
-              <a:t>08/09/2024</a:t>
+              <a:t>27/09/2024</a:t>
             </a:fld>
             <a:endParaRPr lang="fr-FR"/>
           </a:p>
@@ -1451,7 +1451,7 @@
               <a:pPr>
                 <a:defRPr/>
               </a:pPr>
-              <a:t>08/09/2024</a:t>
+              <a:t>27/09/2024</a:t>
             </a:fld>
             <a:endParaRPr lang="fr-FR"/>
           </a:p>
@@ -1666,7 +1666,7 @@
               <a:pPr>
                 <a:defRPr/>
               </a:pPr>
-              <a:t>08/09/2024</a:t>
+              <a:t>27/09/2024</a:t>
             </a:fld>
             <a:endParaRPr lang="fr-FR"/>
           </a:p>
@@ -1955,7 +1955,7 @@
               <a:pPr>
                 <a:defRPr/>
               </a:pPr>
-              <a:t>08/09/2024</a:t>
+              <a:t>27/09/2024</a:t>
             </a:fld>
             <a:endParaRPr lang="fr-FR"/>
           </a:p>
@@ -2232,7 +2232,7 @@
               <a:pPr>
                 <a:defRPr/>
               </a:pPr>
-              <a:t>08/09/2024</a:t>
+              <a:t>27/09/2024</a:t>
             </a:fld>
             <a:endParaRPr lang="fr-FR"/>
           </a:p>
@@ -2644,7 +2644,7 @@
               <a:pPr>
                 <a:defRPr/>
               </a:pPr>
-              <a:t>08/09/2024</a:t>
+              <a:t>27/09/2024</a:t>
             </a:fld>
             <a:endParaRPr lang="fr-FR"/>
           </a:p>
@@ -2807,7 +2807,7 @@
               <a:pPr>
                 <a:defRPr/>
               </a:pPr>
-              <a:t>08/09/2024</a:t>
+              <a:t>27/09/2024</a:t>
             </a:fld>
             <a:endParaRPr lang="fr-FR"/>
           </a:p>
@@ -2947,7 +2947,7 @@
               <a:pPr>
                 <a:defRPr/>
               </a:pPr>
-              <a:t>08/09/2024</a:t>
+              <a:t>27/09/2024</a:t>
             </a:fld>
             <a:endParaRPr lang="fr-FR"/>
           </a:p>
@@ -3269,7 +3269,7 @@
               <a:pPr>
                 <a:defRPr/>
               </a:pPr>
-              <a:t>08/09/2024</a:t>
+              <a:t>27/09/2024</a:t>
             </a:fld>
             <a:endParaRPr lang="fr-FR"/>
           </a:p>
@@ -3572,7 +3572,7 @@
               <a:pPr>
                 <a:defRPr/>
               </a:pPr>
-              <a:t>08/09/2024</a:t>
+              <a:t>27/09/2024</a:t>
             </a:fld>
             <a:endParaRPr lang="fr-FR"/>
           </a:p>
@@ -3848,7 +3848,7 @@
               <a:pPr>
                 <a:defRPr/>
               </a:pPr>
-              <a:t>08/09/2024</a:t>
+              <a:t>27/09/2024</a:t>
             </a:fld>
             <a:endParaRPr lang="fr-FR"/>
           </a:p>
@@ -4823,7 +4823,7 @@
             </a:pPr>
             <a:r>
               <a:rPr lang="fr-FR" sz="2286" dirty="0"/>
-              <a:t>La feuille de débit </a:t>
+              <a:t>Evaluation : La feuille de débit </a:t>
             </a:r>
           </a:p>
         </p:txBody>
@@ -4842,7 +4842,7 @@
         </p:nvSpPr>
         <p:spPr>
           <a:xfrm>
-            <a:off x="220663" y="2830017"/>
+            <a:off x="220664" y="2915011"/>
             <a:ext cx="6796087" cy="523220"/>
           </a:xfrm>
           <a:prstGeom prst="rect">
@@ -4899,7 +4899,7 @@
         </p:blipFill>
         <p:spPr>
           <a:xfrm>
-            <a:off x="211137" y="1078057"/>
+            <a:off x="211138" y="1163051"/>
             <a:ext cx="6796087" cy="595020"/>
           </a:xfrm>
           <a:prstGeom prst="rect">
@@ -4923,7 +4923,7 @@
         </p:nvGrpSpPr>
         <p:grpSpPr bwMode="auto">
           <a:xfrm>
-            <a:off x="4510790" y="7360845"/>
+            <a:off x="4510791" y="7445839"/>
             <a:ext cx="1328848" cy="1744537"/>
             <a:chOff x="7920" y="8999"/>
             <a:chExt cx="1260" cy="1440"/>
@@ -5493,7 +5493,7 @@
         </p:nvSpPr>
         <p:spPr bwMode="auto">
           <a:xfrm>
-            <a:off x="220663" y="6951273"/>
+            <a:off x="220664" y="7036267"/>
             <a:ext cx="6762384" cy="2246769"/>
           </a:xfrm>
           <a:prstGeom prst="rect">
@@ -6100,7 +6100,7 @@
         </p:blipFill>
         <p:spPr>
           <a:xfrm>
-            <a:off x="220663" y="1847512"/>
+            <a:off x="220664" y="1932506"/>
             <a:ext cx="6796087" cy="4957123"/>
           </a:xfrm>
           <a:prstGeom prst="rect">
@@ -6124,7 +6124,7 @@
         </p:nvSpPr>
         <p:spPr bwMode="auto">
           <a:xfrm>
-            <a:off x="5459967" y="9017580"/>
+            <a:off x="5459968" y="9102574"/>
             <a:ext cx="569506" cy="654201"/>
           </a:xfrm>
           <a:prstGeom prst="rect">
@@ -6170,7 +6170,7 @@
         </p:nvSpPr>
         <p:spPr bwMode="auto">
           <a:xfrm>
-            <a:off x="6029473" y="9017580"/>
+            <a:off x="6029474" y="9102574"/>
             <a:ext cx="949177" cy="654201"/>
           </a:xfrm>
           <a:prstGeom prst="rect">
